--- a/resources/Защита проекта.pptx
+++ b/resources/Защита проекта.pptx
@@ -234,7 +234,7 @@
             <a:fld id="{15504EF5-1B61-4C08-BFDD-5C0D5AF73FD4}" type="datetimeFigureOut">
               <a:rPr lang="ru-RU" smtClean="0"/>
               <a:pPr/>
-              <a:t>01.11.2025</a:t>
+              <a:t>13.11.2025</a:t>
             </a:fld>
             <a:endParaRPr lang="ru-RU" dirty="0"/>
           </a:p>
@@ -692,7 +692,7 @@
                 </a:solidFill>
               </a:rPr>
               <a:pPr/>
-              <a:t>01.11.2025</a:t>
+              <a:t>13.11.2025</a:t>
             </a:fld>
             <a:endParaRPr lang="ru-RU">
               <a:solidFill>
@@ -904,7 +904,7 @@
                 </a:solidFill>
               </a:rPr>
               <a:pPr/>
-              <a:t>01.11.2025</a:t>
+              <a:t>13.11.2025</a:t>
             </a:fld>
             <a:endParaRPr lang="ru-RU">
               <a:solidFill>
@@ -1126,7 +1126,7 @@
                 </a:solidFill>
               </a:rPr>
               <a:pPr/>
-              <a:t>01.11.2025</a:t>
+              <a:t>13.11.2025</a:t>
             </a:fld>
             <a:endParaRPr lang="ru-RU">
               <a:solidFill>
@@ -1410,7 +1410,7 @@
                 </a:solidFill>
               </a:rPr>
               <a:pPr/>
-              <a:t>01.11.2025</a:t>
+              <a:t>13.11.2025</a:t>
             </a:fld>
             <a:endParaRPr lang="ru-RU">
               <a:solidFill>
@@ -1622,7 +1622,7 @@
                 </a:solidFill>
               </a:rPr>
               <a:pPr/>
-              <a:t>01.11.2025</a:t>
+              <a:t>13.11.2025</a:t>
             </a:fld>
             <a:endParaRPr lang="ru-RU">
               <a:solidFill>
@@ -1911,7 +1911,7 @@
                 </a:solidFill>
               </a:rPr>
               <a:pPr/>
-              <a:t>01.11.2025</a:t>
+              <a:t>13.11.2025</a:t>
             </a:fld>
             <a:endParaRPr lang="ru-RU">
               <a:solidFill>
@@ -2240,7 +2240,7 @@
                 </a:solidFill>
               </a:rPr>
               <a:pPr/>
-              <a:t>01.11.2025</a:t>
+              <a:t>13.11.2025</a:t>
             </a:fld>
             <a:endParaRPr lang="ru-RU">
               <a:solidFill>
@@ -2703,7 +2703,7 @@
                 </a:solidFill>
               </a:rPr>
               <a:pPr/>
-              <a:t>01.11.2025</a:t>
+              <a:t>13.11.2025</a:t>
             </a:fld>
             <a:endParaRPr lang="ru-RU">
               <a:solidFill>
@@ -2864,7 +2864,7 @@
                 </a:solidFill>
               </a:rPr>
               <a:pPr/>
-              <a:t>01.11.2025</a:t>
+              <a:t>13.11.2025</a:t>
             </a:fld>
             <a:endParaRPr lang="ru-RU">
               <a:solidFill>
@@ -3003,7 +3003,7 @@
                 </a:solidFill>
               </a:rPr>
               <a:pPr/>
-              <a:t>01.11.2025</a:t>
+              <a:t>13.11.2025</a:t>
             </a:fld>
             <a:endParaRPr lang="ru-RU">
               <a:solidFill>
@@ -3322,7 +3322,7 @@
                 </a:solidFill>
               </a:rPr>
               <a:pPr/>
-              <a:t>01.11.2025</a:t>
+              <a:t>13.11.2025</a:t>
             </a:fld>
             <a:endParaRPr lang="ru-RU">
               <a:solidFill>
@@ -3534,7 +3534,7 @@
                 </a:solidFill>
               </a:rPr>
               <a:pPr/>
-              <a:t>01.11.2025</a:t>
+              <a:t>13.11.2025</a:t>
             </a:fld>
             <a:endParaRPr lang="ru-RU">
               <a:solidFill>
@@ -3833,7 +3833,7 @@
                 </a:solidFill>
               </a:rPr>
               <a:pPr/>
-              <a:t>01.11.2025</a:t>
+              <a:t>13.11.2025</a:t>
             </a:fld>
             <a:endParaRPr lang="ru-RU">
               <a:solidFill>
@@ -4045,7 +4045,7 @@
                 </a:solidFill>
               </a:rPr>
               <a:pPr/>
-              <a:t>01.11.2025</a:t>
+              <a:t>13.11.2025</a:t>
             </a:fld>
             <a:endParaRPr lang="ru-RU">
               <a:solidFill>
@@ -4267,7 +4267,7 @@
                 </a:solidFill>
               </a:rPr>
               <a:pPr/>
-              <a:t>01.11.2025</a:t>
+              <a:t>13.11.2025</a:t>
             </a:fld>
             <a:endParaRPr lang="ru-RU">
               <a:solidFill>
@@ -4556,7 +4556,7 @@
                 </a:solidFill>
               </a:rPr>
               <a:pPr/>
-              <a:t>01.11.2025</a:t>
+              <a:t>13.11.2025</a:t>
             </a:fld>
             <a:endParaRPr lang="ru-RU">
               <a:solidFill>
@@ -4885,7 +4885,7 @@
                 </a:solidFill>
               </a:rPr>
               <a:pPr/>
-              <a:t>01.11.2025</a:t>
+              <a:t>13.11.2025</a:t>
             </a:fld>
             <a:endParaRPr lang="ru-RU">
               <a:solidFill>
@@ -5348,7 +5348,7 @@
                 </a:solidFill>
               </a:rPr>
               <a:pPr/>
-              <a:t>01.11.2025</a:t>
+              <a:t>13.11.2025</a:t>
             </a:fld>
             <a:endParaRPr lang="ru-RU">
               <a:solidFill>
@@ -5509,7 +5509,7 @@
                 </a:solidFill>
               </a:rPr>
               <a:pPr/>
-              <a:t>01.11.2025</a:t>
+              <a:t>13.11.2025</a:t>
             </a:fld>
             <a:endParaRPr lang="ru-RU">
               <a:solidFill>
@@ -5648,7 +5648,7 @@
                 </a:solidFill>
               </a:rPr>
               <a:pPr/>
-              <a:t>01.11.2025</a:t>
+              <a:t>13.11.2025</a:t>
             </a:fld>
             <a:endParaRPr lang="ru-RU">
               <a:solidFill>
@@ -5967,7 +5967,7 @@
                 </a:solidFill>
               </a:rPr>
               <a:pPr/>
-              <a:t>01.11.2025</a:t>
+              <a:t>13.11.2025</a:t>
             </a:fld>
             <a:endParaRPr lang="ru-RU">
               <a:solidFill>
@@ -6266,7 +6266,7 @@
                 </a:solidFill>
               </a:rPr>
               <a:pPr/>
-              <a:t>01.11.2025</a:t>
+              <a:t>13.11.2025</a:t>
             </a:fld>
             <a:endParaRPr lang="ru-RU">
               <a:solidFill>
@@ -6531,7 +6531,7 @@
                 </a:solidFill>
               </a:rPr>
               <a:pPr defTabSz="1794047"/>
-              <a:t>01.11.2025</a:t>
+              <a:t>13.11.2025</a:t>
             </a:fld>
             <a:endParaRPr lang="ru-RU">
               <a:solidFill>
@@ -7095,7 +7095,7 @@
                 </a:solidFill>
               </a:rPr>
               <a:pPr defTabSz="1794922"/>
-              <a:t>01.11.2025</a:t>
+              <a:t>13.11.2025</a:t>
             </a:fld>
             <a:endParaRPr lang="ru-RU">
               <a:solidFill>
@@ -10833,7 +10833,7 @@
         </p:blipFill>
         <p:spPr>
           <a:xfrm>
-            <a:off x="3422650" y="2324414"/>
+            <a:off x="4032250" y="2335858"/>
             <a:ext cx="11479227" cy="7878274"/>
           </a:xfrm>
           <a:prstGeom prst="rect">
